--- a/docs/Unified-Support-System-UI-Prototype.pptx
+++ b/docs/Unified-Support-System-UI-Prototype.pptx
@@ -111,6 +111,11 @@
       </a:defRPr>
     </a:lvl9pPr>
   </p:defaultTextStyle>
+  <p:extLst>
+    <p:ext uri="{EFAFB233-063F-42B5-8137-9DF3F51BA10A}">
+      <p15:sldGuideLst xmlns:p15="http://schemas.microsoft.com/office/powerpoint/2012/main"/>
+    </p:ext>
+  </p:extLst>
 </p:presentation>
 </file>
 
@@ -261,7 +266,7 @@
           <a:p>
             <a:fld id="{7A38EECE-02A9-46E0-9D62-4DB49E85EE29}" type="datetimeFigureOut">
               <a:rPr lang="en-US" smtClean="0"/>
-              <a:t>26-Feb-20</a:t>
+              <a:t>28-Feb-20</a:t>
             </a:fld>
             <a:endParaRPr lang="en-US"/>
           </a:p>
@@ -459,7 +464,7 @@
           <a:p>
             <a:fld id="{7A38EECE-02A9-46E0-9D62-4DB49E85EE29}" type="datetimeFigureOut">
               <a:rPr lang="en-US" smtClean="0"/>
-              <a:t>26-Feb-20</a:t>
+              <a:t>28-Feb-20</a:t>
             </a:fld>
             <a:endParaRPr lang="en-US"/>
           </a:p>
@@ -667,7 +672,7 @@
           <a:p>
             <a:fld id="{7A38EECE-02A9-46E0-9D62-4DB49E85EE29}" type="datetimeFigureOut">
               <a:rPr lang="en-US" smtClean="0"/>
-              <a:t>26-Feb-20</a:t>
+              <a:t>28-Feb-20</a:t>
             </a:fld>
             <a:endParaRPr lang="en-US"/>
           </a:p>
@@ -865,7 +870,7 @@
           <a:p>
             <a:fld id="{7A38EECE-02A9-46E0-9D62-4DB49E85EE29}" type="datetimeFigureOut">
               <a:rPr lang="en-US" smtClean="0"/>
-              <a:t>26-Feb-20</a:t>
+              <a:t>28-Feb-20</a:t>
             </a:fld>
             <a:endParaRPr lang="en-US"/>
           </a:p>
@@ -1140,7 +1145,7 @@
           <a:p>
             <a:fld id="{7A38EECE-02A9-46E0-9D62-4DB49E85EE29}" type="datetimeFigureOut">
               <a:rPr lang="en-US" smtClean="0"/>
-              <a:t>26-Feb-20</a:t>
+              <a:t>28-Feb-20</a:t>
             </a:fld>
             <a:endParaRPr lang="en-US"/>
           </a:p>
@@ -1405,7 +1410,7 @@
           <a:p>
             <a:fld id="{7A38EECE-02A9-46E0-9D62-4DB49E85EE29}" type="datetimeFigureOut">
               <a:rPr lang="en-US" smtClean="0"/>
-              <a:t>26-Feb-20</a:t>
+              <a:t>28-Feb-20</a:t>
             </a:fld>
             <a:endParaRPr lang="en-US"/>
           </a:p>
@@ -1817,7 +1822,7 @@
           <a:p>
             <a:fld id="{7A38EECE-02A9-46E0-9D62-4DB49E85EE29}" type="datetimeFigureOut">
               <a:rPr lang="en-US" smtClean="0"/>
-              <a:t>26-Feb-20</a:t>
+              <a:t>28-Feb-20</a:t>
             </a:fld>
             <a:endParaRPr lang="en-US"/>
           </a:p>
@@ -1958,7 +1963,7 @@
           <a:p>
             <a:fld id="{7A38EECE-02A9-46E0-9D62-4DB49E85EE29}" type="datetimeFigureOut">
               <a:rPr lang="en-US" smtClean="0"/>
-              <a:t>26-Feb-20</a:t>
+              <a:t>28-Feb-20</a:t>
             </a:fld>
             <a:endParaRPr lang="en-US"/>
           </a:p>
@@ -2071,7 +2076,7 @@
           <a:p>
             <a:fld id="{7A38EECE-02A9-46E0-9D62-4DB49E85EE29}" type="datetimeFigureOut">
               <a:rPr lang="en-US" smtClean="0"/>
-              <a:t>26-Feb-20</a:t>
+              <a:t>28-Feb-20</a:t>
             </a:fld>
             <a:endParaRPr lang="en-US"/>
           </a:p>
@@ -2382,7 +2387,7 @@
           <a:p>
             <a:fld id="{7A38EECE-02A9-46E0-9D62-4DB49E85EE29}" type="datetimeFigureOut">
               <a:rPr lang="en-US" smtClean="0"/>
-              <a:t>26-Feb-20</a:t>
+              <a:t>28-Feb-20</a:t>
             </a:fld>
             <a:endParaRPr lang="en-US"/>
           </a:p>
@@ -2670,7 +2675,7 @@
           <a:p>
             <a:fld id="{7A38EECE-02A9-46E0-9D62-4DB49E85EE29}" type="datetimeFigureOut">
               <a:rPr lang="en-US" smtClean="0"/>
-              <a:t>26-Feb-20</a:t>
+              <a:t>28-Feb-20</a:t>
             </a:fld>
             <a:endParaRPr lang="en-US"/>
           </a:p>
@@ -2911,7 +2916,7 @@
           <a:p>
             <a:fld id="{7A38EECE-02A9-46E0-9D62-4DB49E85EE29}" type="datetimeFigureOut">
               <a:rPr lang="en-US" smtClean="0"/>
-              <a:t>26-Feb-20</a:t>
+              <a:t>28-Feb-20</a:t>
             </a:fld>
             <a:endParaRPr lang="en-US"/>
           </a:p>
@@ -16677,8 +16682,8 @@
         </p:blipFill>
         <p:spPr>
           <a:xfrm>
-            <a:off x="554182" y="977867"/>
-            <a:ext cx="11083636" cy="5312817"/>
+            <a:off x="1057984" y="799476"/>
+            <a:ext cx="10076033" cy="4829834"/>
           </a:xfrm>
           <a:prstGeom prst="rect">
             <a:avLst/>
@@ -16692,6 +16697,117 @@
           </a:ln>
         </p:spPr>
       </p:pic>
+      <p:sp>
+        <p:nvSpPr>
+          <p:cNvPr id="2" name="Rectangle 1">
+            <a:extLst>
+              <a:ext uri="{FF2B5EF4-FFF2-40B4-BE49-F238E27FC236}">
+                <a16:creationId xmlns:a16="http://schemas.microsoft.com/office/drawing/2014/main" id="{400777A8-6A62-4404-AFA4-A4B0302963E8}"/>
+              </a:ext>
+            </a:extLst>
+          </p:cNvPr>
+          <p:cNvSpPr/>
+          <p:nvPr/>
+        </p:nvSpPr>
+        <p:spPr>
+          <a:xfrm>
+            <a:off x="166644" y="5782261"/>
+            <a:ext cx="4807598" cy="338554"/>
+          </a:xfrm>
+          <a:prstGeom prst="rect">
+            <a:avLst/>
+          </a:prstGeom>
+        </p:spPr>
+        <p:txBody>
+          <a:bodyPr wrap="none">
+            <a:spAutoFit/>
+          </a:bodyPr>
+          <a:lstStyle/>
+          <a:p>
+            <a:r>
+              <a:rPr lang="en-US" sz="1600" dirty="0">
+                <a:hlinkClick r:id="rId3"/>
+              </a:rPr>
+              <a:t>https://haxe.org/manual/introduction-hello-world.html</a:t>
+            </a:r>
+            <a:endParaRPr lang="en-US" sz="1600" dirty="0"/>
+          </a:p>
+        </p:txBody>
+      </p:sp>
+      <p:sp>
+        <p:nvSpPr>
+          <p:cNvPr id="3" name="Rectangle 2">
+            <a:extLst>
+              <a:ext uri="{FF2B5EF4-FFF2-40B4-BE49-F238E27FC236}">
+                <a16:creationId xmlns:a16="http://schemas.microsoft.com/office/drawing/2014/main" id="{6985FED4-0292-45C2-A0DE-92AD416F4ED4}"/>
+              </a:ext>
+            </a:extLst>
+          </p:cNvPr>
+          <p:cNvSpPr/>
+          <p:nvPr/>
+        </p:nvSpPr>
+        <p:spPr>
+          <a:xfrm>
+            <a:off x="166644" y="6058524"/>
+            <a:ext cx="6096000" cy="338554"/>
+          </a:xfrm>
+          <a:prstGeom prst="rect">
+            <a:avLst/>
+          </a:prstGeom>
+        </p:spPr>
+        <p:txBody>
+          <a:bodyPr>
+            <a:spAutoFit/>
+          </a:bodyPr>
+          <a:lstStyle/>
+          <a:p>
+            <a:r>
+              <a:rPr lang="en-US" sz="1600" dirty="0">
+                <a:hlinkClick r:id="rId4"/>
+              </a:rPr>
+              <a:t>https://github.com/HaxeFoundation/haxe.org-comments/issues/45</a:t>
+            </a:r>
+            <a:endParaRPr lang="en-US" sz="1600" dirty="0"/>
+          </a:p>
+        </p:txBody>
+      </p:sp>
+      <p:sp>
+        <p:nvSpPr>
+          <p:cNvPr id="6" name="Rectangle 5">
+            <a:extLst>
+              <a:ext uri="{FF2B5EF4-FFF2-40B4-BE49-F238E27FC236}">
+                <a16:creationId xmlns:a16="http://schemas.microsoft.com/office/drawing/2014/main" id="{B567DEB5-72C9-44E3-8B31-EE6279462DC5}"/>
+              </a:ext>
+            </a:extLst>
+          </p:cNvPr>
+          <p:cNvSpPr/>
+          <p:nvPr/>
+        </p:nvSpPr>
+        <p:spPr>
+          <a:xfrm>
+            <a:off x="166644" y="6325456"/>
+            <a:ext cx="6096000" cy="338554"/>
+          </a:xfrm>
+          <a:prstGeom prst="rect">
+            <a:avLst/>
+          </a:prstGeom>
+        </p:spPr>
+        <p:txBody>
+          <a:bodyPr>
+            <a:spAutoFit/>
+          </a:bodyPr>
+          <a:lstStyle/>
+          <a:p>
+            <a:r>
+              <a:rPr lang="en-US" sz="1600" dirty="0">
+                <a:hlinkClick r:id="rId5"/>
+              </a:rPr>
+              <a:t>https://api.github.com/repos/nakov/Unified-Support-System/issues/2</a:t>
+            </a:r>
+            <a:endParaRPr lang="en-US" sz="1600" dirty="0"/>
+          </a:p>
+        </p:txBody>
+      </p:sp>
     </p:spTree>
     <p:extLst>
       <p:ext uri="{BB962C8B-B14F-4D97-AF65-F5344CB8AC3E}">

--- a/docs/Unified-Support-System-UI-Prototype.pptx
+++ b/docs/Unified-Support-System-UI-Prototype.pptx
@@ -266,7 +266,7 @@
           <a:p>
             <a:fld id="{7A38EECE-02A9-46E0-9D62-4DB49E85EE29}" type="datetimeFigureOut">
               <a:rPr lang="en-US" smtClean="0"/>
-              <a:t>28-Feb-20</a:t>
+              <a:t>02-Mar-20</a:t>
             </a:fld>
             <a:endParaRPr lang="en-US"/>
           </a:p>
@@ -464,7 +464,7 @@
           <a:p>
             <a:fld id="{7A38EECE-02A9-46E0-9D62-4DB49E85EE29}" type="datetimeFigureOut">
               <a:rPr lang="en-US" smtClean="0"/>
-              <a:t>28-Feb-20</a:t>
+              <a:t>02-Mar-20</a:t>
             </a:fld>
             <a:endParaRPr lang="en-US"/>
           </a:p>
@@ -672,7 +672,7 @@
           <a:p>
             <a:fld id="{7A38EECE-02A9-46E0-9D62-4DB49E85EE29}" type="datetimeFigureOut">
               <a:rPr lang="en-US" smtClean="0"/>
-              <a:t>28-Feb-20</a:t>
+              <a:t>02-Mar-20</a:t>
             </a:fld>
             <a:endParaRPr lang="en-US"/>
           </a:p>
@@ -870,7 +870,7 @@
           <a:p>
             <a:fld id="{7A38EECE-02A9-46E0-9D62-4DB49E85EE29}" type="datetimeFigureOut">
               <a:rPr lang="en-US" smtClean="0"/>
-              <a:t>28-Feb-20</a:t>
+              <a:t>02-Mar-20</a:t>
             </a:fld>
             <a:endParaRPr lang="en-US"/>
           </a:p>
@@ -1145,7 +1145,7 @@
           <a:p>
             <a:fld id="{7A38EECE-02A9-46E0-9D62-4DB49E85EE29}" type="datetimeFigureOut">
               <a:rPr lang="en-US" smtClean="0"/>
-              <a:t>28-Feb-20</a:t>
+              <a:t>02-Mar-20</a:t>
             </a:fld>
             <a:endParaRPr lang="en-US"/>
           </a:p>
@@ -1410,7 +1410,7 @@
           <a:p>
             <a:fld id="{7A38EECE-02A9-46E0-9D62-4DB49E85EE29}" type="datetimeFigureOut">
               <a:rPr lang="en-US" smtClean="0"/>
-              <a:t>28-Feb-20</a:t>
+              <a:t>02-Mar-20</a:t>
             </a:fld>
             <a:endParaRPr lang="en-US"/>
           </a:p>
@@ -1822,7 +1822,7 @@
           <a:p>
             <a:fld id="{7A38EECE-02A9-46E0-9D62-4DB49E85EE29}" type="datetimeFigureOut">
               <a:rPr lang="en-US" smtClean="0"/>
-              <a:t>28-Feb-20</a:t>
+              <a:t>02-Mar-20</a:t>
             </a:fld>
             <a:endParaRPr lang="en-US"/>
           </a:p>
@@ -1963,7 +1963,7 @@
           <a:p>
             <a:fld id="{7A38EECE-02A9-46E0-9D62-4DB49E85EE29}" type="datetimeFigureOut">
               <a:rPr lang="en-US" smtClean="0"/>
-              <a:t>28-Feb-20</a:t>
+              <a:t>02-Mar-20</a:t>
             </a:fld>
             <a:endParaRPr lang="en-US"/>
           </a:p>
@@ -2076,7 +2076,7 @@
           <a:p>
             <a:fld id="{7A38EECE-02A9-46E0-9D62-4DB49E85EE29}" type="datetimeFigureOut">
               <a:rPr lang="en-US" smtClean="0"/>
-              <a:t>28-Feb-20</a:t>
+              <a:t>02-Mar-20</a:t>
             </a:fld>
             <a:endParaRPr lang="en-US"/>
           </a:p>
@@ -2387,7 +2387,7 @@
           <a:p>
             <a:fld id="{7A38EECE-02A9-46E0-9D62-4DB49E85EE29}" type="datetimeFigureOut">
               <a:rPr lang="en-US" smtClean="0"/>
-              <a:t>28-Feb-20</a:t>
+              <a:t>02-Mar-20</a:t>
             </a:fld>
             <a:endParaRPr lang="en-US"/>
           </a:p>
@@ -2675,7 +2675,7 @@
           <a:p>
             <a:fld id="{7A38EECE-02A9-46E0-9D62-4DB49E85EE29}" type="datetimeFigureOut">
               <a:rPr lang="en-US" smtClean="0"/>
-              <a:t>28-Feb-20</a:t>
+              <a:t>02-Mar-20</a:t>
             </a:fld>
             <a:endParaRPr lang="en-US"/>
           </a:p>
@@ -2916,7 +2916,7 @@
           <a:p>
             <a:fld id="{7A38EECE-02A9-46E0-9D62-4DB49E85EE29}" type="datetimeFigureOut">
               <a:rPr lang="en-US" smtClean="0"/>
-              <a:t>28-Feb-20</a:t>
+              <a:t>02-Mar-20</a:t>
             </a:fld>
             <a:endParaRPr lang="en-US"/>
           </a:p>
@@ -16711,7 +16711,7 @@
         </p:nvSpPr>
         <p:spPr>
           <a:xfrm>
-            <a:off x="166644" y="5782261"/>
+            <a:off x="241292" y="5819585"/>
             <a:ext cx="4807598" cy="338554"/>
           </a:xfrm>
           <a:prstGeom prst="rect">
@@ -16748,7 +16748,7 @@
         </p:nvSpPr>
         <p:spPr>
           <a:xfrm>
-            <a:off x="166644" y="6058524"/>
+            <a:off x="5186525" y="5819646"/>
             <a:ext cx="6096000" cy="338554"/>
           </a:xfrm>
           <a:prstGeom prst="rect">
@@ -16785,7 +16785,7 @@
         </p:nvSpPr>
         <p:spPr>
           <a:xfrm>
-            <a:off x="166644" y="6325456"/>
+            <a:off x="5485103" y="6199829"/>
             <a:ext cx="6096000" cy="338554"/>
           </a:xfrm>
           <a:prstGeom prst="rect">
@@ -16803,6 +16803,43 @@
                 <a:hlinkClick r:id="rId5"/>
               </a:rPr>
               <a:t>https://api.github.com/repos/nakov/Unified-Support-System/issues/2</a:t>
+            </a:r>
+            <a:endParaRPr lang="en-US" sz="1600" dirty="0"/>
+          </a:p>
+        </p:txBody>
+      </p:sp>
+      <p:sp>
+        <p:nvSpPr>
+          <p:cNvPr id="7" name="Rectangle 6">
+            <a:extLst>
+              <a:ext uri="{FF2B5EF4-FFF2-40B4-BE49-F238E27FC236}">
+                <a16:creationId xmlns:a16="http://schemas.microsoft.com/office/drawing/2014/main" id="{5D3CF8DB-9D08-4C5C-88CF-441AC1941DBF}"/>
+              </a:ext>
+            </a:extLst>
+          </p:cNvPr>
+          <p:cNvSpPr/>
+          <p:nvPr/>
+        </p:nvSpPr>
+        <p:spPr>
+          <a:xfrm>
+            <a:off x="241292" y="6192084"/>
+            <a:ext cx="5159810" cy="338554"/>
+          </a:xfrm>
+          <a:prstGeom prst="rect">
+            <a:avLst/>
+          </a:prstGeom>
+        </p:spPr>
+        <p:txBody>
+          <a:bodyPr wrap="none">
+            <a:spAutoFit/>
+          </a:bodyPr>
+          <a:lstStyle/>
+          <a:p>
+            <a:r>
+              <a:rPr lang="en-US" sz="1600" dirty="0">
+                <a:hlinkClick r:id="rId6"/>
+              </a:rPr>
+              <a:t>https://github.com/nakov/Unified-Support-System/issues/2</a:t>
             </a:r>
             <a:endParaRPr lang="en-US" sz="1600" dirty="0"/>
           </a:p>
